--- a/Graduation project/GPBI.pptx
+++ b/Graduation project/GPBI.pptx
@@ -123,6 +123,51 @@
     </p:ext>
   </p:extLst>
 </p:presentation>
+</file>
+
+<file path=ppt/changesInfos/changesInfo1.xml><?xml version="1.0" encoding="utf-8"?>
+<pc:chgInfo xmlns:a="http://schemas.openxmlformats.org/drawingml/2006/main" xmlns:r="http://schemas.openxmlformats.org/officeDocument/2006/relationships" xmlns:ac="http://schemas.microsoft.com/office/drawing/2013/main/command" xmlns:pc="http://schemas.microsoft.com/office/powerpoint/2013/main/command">
+  <pc:docChgLst>
+    <pc:chgData name="Светлана Берестевич" userId="eb57bb7031533f3d" providerId="LiveId" clId="{9433A4AD-67A4-444A-84D9-6E9BD08B262B}"/>
+    <pc:docChg chg="custSel modSld">
+      <pc:chgData name="Светлана Берестевич" userId="eb57bb7031533f3d" providerId="LiveId" clId="{9433A4AD-67A4-444A-84D9-6E9BD08B262B}" dt="2025-04-15T20:37:22.549" v="7" actId="14100"/>
+      <pc:docMkLst>
+        <pc:docMk/>
+      </pc:docMkLst>
+      <pc:sldChg chg="addSp delSp modSp mod">
+        <pc:chgData name="Светлана Берестевич" userId="eb57bb7031533f3d" providerId="LiveId" clId="{9433A4AD-67A4-444A-84D9-6E9BD08B262B}" dt="2025-04-15T20:37:22.549" v="7" actId="14100"/>
+        <pc:sldMkLst>
+          <pc:docMk/>
+          <pc:sldMk cId="934055672" sldId="265"/>
+        </pc:sldMkLst>
+        <pc:spChg chg="add del mod">
+          <ac:chgData name="Светлана Берестевич" userId="eb57bb7031533f3d" providerId="LiveId" clId="{9433A4AD-67A4-444A-84D9-6E9BD08B262B}" dt="2025-04-15T20:37:07.195" v="1" actId="22"/>
+          <ac:spMkLst>
+            <pc:docMk/>
+            <pc:sldMk cId="934055672" sldId="265"/>
+            <ac:spMk id="4" creationId="{741FA3BC-AF36-FDBD-5CD6-84AF447C9D4A}"/>
+          </ac:spMkLst>
+        </pc:spChg>
+        <pc:picChg chg="del">
+          <ac:chgData name="Светлана Берестевич" userId="eb57bb7031533f3d" providerId="LiveId" clId="{9433A4AD-67A4-444A-84D9-6E9BD08B262B}" dt="2025-04-15T20:36:02.858" v="0" actId="478"/>
+          <ac:picMkLst>
+            <pc:docMk/>
+            <pc:sldMk cId="934055672" sldId="265"/>
+            <ac:picMk id="6" creationId="{53C9C4AD-0467-2E46-BC19-39314DD13936}"/>
+          </ac:picMkLst>
+        </pc:picChg>
+        <pc:picChg chg="add mod ord">
+          <ac:chgData name="Светлана Берестевич" userId="eb57bb7031533f3d" providerId="LiveId" clId="{9433A4AD-67A4-444A-84D9-6E9BD08B262B}" dt="2025-04-15T20:37:22.549" v="7" actId="14100"/>
+          <ac:picMkLst>
+            <pc:docMk/>
+            <pc:sldMk cId="934055672" sldId="265"/>
+            <ac:picMk id="7" creationId="{3485AC53-6CBE-7F9D-4EF9-06AC29BBCFAA}"/>
+          </ac:picMkLst>
+        </pc:picChg>
+      </pc:sldChg>
+    </pc:docChg>
+  </pc:docChgLst>
+</pc:chgInfo>
 </file>
 
 <file path=ppt/slideLayouts/slideLayout1.xml><?xml version="1.0" encoding="utf-8"?>
@@ -7328,10 +7373,10 @@
       </p:sp>
       <p:pic>
         <p:nvPicPr>
-          <p:cNvPr id="6" name="Объект 5">
+          <p:cNvPr id="7" name="Объект 6">
             <a:extLst>
               <a:ext uri="{FF2B5EF4-FFF2-40B4-BE49-F238E27FC236}">
-                <a16:creationId xmlns:a16="http://schemas.microsoft.com/office/drawing/2014/main" id="{53C9C4AD-0467-2E46-BC19-39314DD13936}"/>
+                <a16:creationId xmlns:a16="http://schemas.microsoft.com/office/drawing/2014/main" id="{3485AC53-6CBE-7F9D-4EF9-06AC29BBCFAA}"/>
               </a:ext>
             </a:extLst>
           </p:cNvPr>
@@ -7350,8 +7395,8 @@
         </p:blipFill>
         <p:spPr>
           <a:xfrm>
-            <a:off x="5116750" y="194553"/>
-            <a:ext cx="6744510" cy="6254885"/>
+            <a:off x="4844374" y="233464"/>
+            <a:ext cx="7130375" cy="6391072"/>
           </a:xfrm>
         </p:spPr>
       </p:pic>
